--- a/1 - introduction/DLMR 1 - introduction.pptx
+++ b/1 - introduction/DLMR 1 - introduction.pptx
@@ -4381,7 +4381,7 @@
         </p:nvSpPr>
         <p:spPr>
           <a:xfrm>
-            <a:off x="4497755" y="4898056"/>
+            <a:off x="4344442" y="4887106"/>
             <a:ext cx="6831673" cy="1086237"/>
           </a:xfrm>
         </p:spPr>
@@ -4391,7 +4391,7 @@
           <a:p>
             <a:r>
               <a:rPr lang="en-US" dirty="0"/>
-              <a:t>Prof. </a:t>
+              <a:t>Sam Green and Prof. </a:t>
             </a:r>
             <a:r>
               <a:rPr lang="en-US" dirty="0" err="1"/>
@@ -4405,10 +4405,7 @@
               <a:rPr lang="en-US" dirty="0" err="1"/>
               <a:t>Koç</a:t>
             </a:r>
-            <a:r>
-              <a:rPr lang="en-US" dirty="0"/>
-              <a:t> &amp; Sam Green</a:t>
-            </a:r>
+            <a:endParaRPr lang="en-US" dirty="0"/>
           </a:p>
         </p:txBody>
       </p:sp>
@@ -5587,35 +5584,15 @@
           <a:lstStyle/>
           <a:p>
             <a:r>
-              <a:rPr lang="en-US" dirty="0"/>
-              <a:t>Download files from </a:t>
-            </a:r>
-            <a:r>
               <a:rPr lang="en-US" dirty="0">
                 <a:hlinkClick r:id="rId2"/>
               </a:rPr>
-              <a:t>https://gitlab.erc.monash.edu.au/andrease/Python4Maths/tree/master/Intro-to-Python</a:t>
+              <a:t>https://colab.research.google.com/github/sg2/intro/blob/master/1%20-%20introduction/Python%20Introduction%201.ipynb</a:t>
             </a:r>
             <a:endParaRPr lang="en-US" dirty="0"/>
           </a:p>
           <a:p>
-            <a:r>
-              <a:rPr lang="en-US" dirty="0"/>
-              <a:t>Go to </a:t>
-            </a:r>
-            <a:r>
-              <a:rPr lang="en-US" dirty="0">
-                <a:hlinkClick r:id="rId3"/>
-              </a:rPr>
-              <a:t>http://colab.research.google.com</a:t>
-            </a:r>
             <a:endParaRPr lang="en-US" dirty="0"/>
-          </a:p>
-          <a:p>
-            <a:r>
-              <a:rPr lang="en-US" dirty="0"/>
-              <a:t>From the downloaded files, upload 01.ipynb</a:t>
-            </a:r>
           </a:p>
         </p:txBody>
       </p:sp>
@@ -6069,9 +6046,15 @@
           <a:lstStyle/>
           <a:p>
             <a:r>
-              <a:rPr lang="en-US" dirty="0"/>
-              <a:t>Upload PyTorch-CIFAR-10.ipynb</a:t>
-            </a:r>
+              <a:rPr lang="en-US" dirty="0">
+                <a:hlinkClick r:id="rId2"/>
+              </a:rPr>
+              <a:t>https://colab.research.google.com/github/sg2/intro/blob/master/1%20-%20introduction/PyTorch_CIFAR_10.ipynb</a:t>
+            </a:r>
+            <a:endParaRPr lang="en-US" dirty="0"/>
+          </a:p>
+          <a:p>
+            <a:endParaRPr lang="en-US" dirty="0"/>
           </a:p>
         </p:txBody>
       </p:sp>

--- a/1 - introduction/DLMR 1 - introduction.pptx
+++ b/1 - introduction/DLMR 1 - introduction.pptx
@@ -5,7 +5,7 @@
     <p:sldMasterId id="2147483690" r:id="rId1"/>
   </p:sldMasterIdLst>
   <p:notesMasterIdLst>
-    <p:notesMasterId r:id="rId34"/>
+    <p:notesMasterId r:id="rId35"/>
   </p:notesMasterIdLst>
   <p:sldIdLst>
     <p:sldId id="256" r:id="rId2"/>
@@ -30,16 +30,17 @@
     <p:sldId id="274" r:id="rId21"/>
     <p:sldId id="283" r:id="rId22"/>
     <p:sldId id="284" r:id="rId23"/>
-    <p:sldId id="282" r:id="rId24"/>
-    <p:sldId id="294" r:id="rId25"/>
-    <p:sldId id="278" r:id="rId26"/>
-    <p:sldId id="280" r:id="rId27"/>
-    <p:sldId id="281" r:id="rId28"/>
-    <p:sldId id="279" r:id="rId29"/>
-    <p:sldId id="295" r:id="rId30"/>
-    <p:sldId id="291" r:id="rId31"/>
-    <p:sldId id="275" r:id="rId32"/>
-    <p:sldId id="290" r:id="rId33"/>
+    <p:sldId id="296" r:id="rId24"/>
+    <p:sldId id="282" r:id="rId25"/>
+    <p:sldId id="294" r:id="rId26"/>
+    <p:sldId id="278" r:id="rId27"/>
+    <p:sldId id="280" r:id="rId28"/>
+    <p:sldId id="281" r:id="rId29"/>
+    <p:sldId id="279" r:id="rId30"/>
+    <p:sldId id="295" r:id="rId31"/>
+    <p:sldId id="291" r:id="rId32"/>
+    <p:sldId id="275" r:id="rId33"/>
+    <p:sldId id="290" r:id="rId34"/>
   </p:sldIdLst>
   <p:sldSz cx="12192000" cy="6858000"/>
   <p:notesSz cx="6858000" cy="9144000"/>
@@ -587,7 +588,7 @@
           <a:p>
             <a:fld id="{4D5006DC-BB31-47A2-B88D-E1044D7DBF01}" type="slidenum">
               <a:rPr lang="en-US" smtClean="0"/>
-              <a:t>27</a:t>
+              <a:t>28</a:t>
             </a:fld>
             <a:endParaRPr lang="en-US"/>
           </a:p>
@@ -5055,7 +5056,7 @@
         </p:nvSpPr>
         <p:spPr>
           <a:xfrm flipH="1">
-            <a:off x="669174" y="6604165"/>
+            <a:off x="-42634" y="6611779"/>
             <a:ext cx="8041180" cy="246221"/>
           </a:xfrm>
           <a:prstGeom prst="rect">
@@ -6697,7 +6698,7 @@
         <p:spPr/>
         <p:txBody>
           <a:bodyPr>
-            <a:normAutofit lnSpcReduction="10000"/>
+            <a:normAutofit/>
           </a:bodyPr>
           <a:lstStyle/>
           <a:p>
@@ -6721,19 +6722,7 @@
           <a:p>
             <a:r>
               <a:rPr lang="en-US" dirty="0"/>
-              <a:t>Screening involves a dilated eye exam 1–2 times annually, with referral to an ophthalmologist</a:t>
-            </a:r>
-          </a:p>
-          <a:p>
-            <a:r>
-              <a:rPr lang="en-US" dirty="0"/>
-              <a:t>DNN trained with 128,175 images previously evaluated by a panel of 54 board-certified U.S. ophthalmologists and senior ophthalmology residents</a:t>
-            </a:r>
-          </a:p>
-          <a:p>
-            <a:r>
-              <a:rPr lang="en-US" dirty="0"/>
-              <a:t> AUC of 0.97–0.99 for detecting referable diabetic retinopathy</a:t>
+              <a:t>Screening involves a dilated eye exam referral to an ophthalmologist</a:t>
             </a:r>
           </a:p>
         </p:txBody>
@@ -6954,27 +6943,526 @@
                       </p:childTnLst>
                     </p:cTn>
                   </p:par>
+                </p:childTnLst>
+              </p:cTn>
+              <p:prevCondLst>
+                <p:cond evt="onPrev" delay="0">
+                  <p:tgtEl>
+                    <p:sldTgt/>
+                  </p:tgtEl>
+                </p:cond>
+              </p:prevCondLst>
+              <p:nextCondLst>
+                <p:cond evt="onNext" delay="0">
+                  <p:tgtEl>
+                    <p:sldTgt/>
+                  </p:tgtEl>
+                </p:cond>
+              </p:nextCondLst>
+            </p:seq>
+          </p:childTnLst>
+        </p:cTn>
+      </p:par>
+    </p:tnLst>
+  </p:timing>
+</p:sld>
+</file>
+
+<file path=ppt/slides/slide21.xml><?xml version="1.0" encoding="utf-8"?>
+<p:sld xmlns:a="http://schemas.openxmlformats.org/drawingml/2006/main" xmlns:r="http://schemas.openxmlformats.org/officeDocument/2006/relationships" xmlns:p="http://schemas.openxmlformats.org/presentationml/2006/main">
+  <p:cSld>
+    <p:spTree>
+      <p:nvGrpSpPr>
+        <p:cNvPr id="1" name=""/>
+        <p:cNvGrpSpPr/>
+        <p:nvPr/>
+      </p:nvGrpSpPr>
+      <p:grpSpPr>
+        <a:xfrm>
+          <a:off x="0" y="0"/>
+          <a:ext cx="0" cy="0"/>
+          <a:chOff x="0" y="0"/>
+          <a:chExt cx="0" cy="0"/>
+        </a:xfrm>
+      </p:grpSpPr>
+      <p:sp>
+        <p:nvSpPr>
+          <p:cNvPr id="2" name="Title 1">
+            <a:extLst>
+              <a:ext uri="{FF2B5EF4-FFF2-40B4-BE49-F238E27FC236}">
+                <a16:creationId xmlns:a16="http://schemas.microsoft.com/office/drawing/2014/main" id="{70A4DA00-A752-49C6-95F7-206A0F57CB20}"/>
+              </a:ext>
+            </a:extLst>
+          </p:cNvPr>
+          <p:cNvSpPr>
+            <a:spLocks noGrp="1"/>
+          </p:cNvSpPr>
+          <p:nvPr>
+            <p:ph type="title"/>
+          </p:nvPr>
+        </p:nvSpPr>
+        <p:spPr/>
+        <p:txBody>
+          <a:bodyPr/>
+          <a:lstStyle/>
+          <a:p>
+            <a:endParaRPr lang="en-US"/>
+          </a:p>
+        </p:txBody>
+      </p:sp>
+      <p:sp>
+        <p:nvSpPr>
+          <p:cNvPr id="3" name="Content Placeholder 2">
+            <a:extLst>
+              <a:ext uri="{FF2B5EF4-FFF2-40B4-BE49-F238E27FC236}">
+                <a16:creationId xmlns:a16="http://schemas.microsoft.com/office/drawing/2014/main" id="{D9005224-60AA-433E-8BE6-79B333BBAC77}"/>
+              </a:ext>
+            </a:extLst>
+          </p:cNvPr>
+          <p:cNvSpPr>
+            <a:spLocks noGrp="1"/>
+          </p:cNvSpPr>
+          <p:nvPr>
+            <p:ph idx="1"/>
+          </p:nvPr>
+        </p:nvSpPr>
+        <p:spPr/>
+        <p:txBody>
+          <a:bodyPr/>
+          <a:lstStyle/>
+          <a:p>
+            <a:endParaRPr lang="en-US"/>
+          </a:p>
+        </p:txBody>
+      </p:sp>
+      <p:pic>
+        <p:nvPicPr>
+          <p:cNvPr id="1026" name="Picture 2" descr="https://www.aoa.org/Images/public/Diabetic_Retinopathy.jpg">
+            <a:extLst>
+              <a:ext uri="{FF2B5EF4-FFF2-40B4-BE49-F238E27FC236}">
+                <a16:creationId xmlns:a16="http://schemas.microsoft.com/office/drawing/2014/main" id="{78FF0E50-60EB-4677-8FF0-D476B9AF1D29}"/>
+              </a:ext>
+            </a:extLst>
+          </p:cNvPr>
+          <p:cNvPicPr>
+            <a:picLocks noChangeAspect="1" noChangeArrowheads="1"/>
+          </p:cNvPicPr>
+          <p:nvPr/>
+        </p:nvPicPr>
+        <p:blipFill>
+          <a:blip r:embed="rId2">
+            <a:extLst>
+              <a:ext uri="{28A0092B-C50C-407E-A947-70E740481C1C}">
+                <a14:useLocalDpi xmlns:a14="http://schemas.microsoft.com/office/drawing/2010/main" val="0"/>
+              </a:ext>
+            </a:extLst>
+          </a:blip>
+          <a:srcRect/>
+          <a:stretch>
+            <a:fillRect/>
+          </a:stretch>
+        </p:blipFill>
+        <p:spPr bwMode="auto">
+          <a:xfrm>
+            <a:off x="1301959" y="1255135"/>
+            <a:ext cx="9570475" cy="4347730"/>
+          </a:xfrm>
+          <a:prstGeom prst="rect">
+            <a:avLst/>
+          </a:prstGeom>
+          <a:noFill/>
+          <a:extLst>
+            <a:ext uri="{909E8E84-426E-40DD-AFC4-6F175D3DCCD1}">
+              <a14:hiddenFill xmlns:a14="http://schemas.microsoft.com/office/drawing/2010/main">
+                <a:solidFill>
+                  <a:srgbClr val="FFFFFF"/>
+                </a:solidFill>
+              </a14:hiddenFill>
+            </a:ext>
+          </a:extLst>
+        </p:spPr>
+      </p:pic>
+      <p:sp>
+        <p:nvSpPr>
+          <p:cNvPr id="4" name="TextBox 3">
+            <a:extLst>
+              <a:ext uri="{FF2B5EF4-FFF2-40B4-BE49-F238E27FC236}">
+                <a16:creationId xmlns:a16="http://schemas.microsoft.com/office/drawing/2014/main" id="{E7645E2B-20F9-496B-9D8D-136D6AD93D14}"/>
+              </a:ext>
+            </a:extLst>
+          </p:cNvPr>
+          <p:cNvSpPr txBox="1"/>
+          <p:nvPr/>
+        </p:nvSpPr>
+        <p:spPr>
+          <a:xfrm>
+            <a:off x="0" y="6611779"/>
+            <a:ext cx="1301959" cy="246221"/>
+          </a:xfrm>
+          <a:prstGeom prst="rect">
+            <a:avLst/>
+          </a:prstGeom>
+          <a:noFill/>
+        </p:spPr>
+        <p:txBody>
+          <a:bodyPr wrap="none" rtlCol="0">
+            <a:spAutoFit/>
+          </a:bodyPr>
+          <a:lstStyle/>
+          <a:p>
+            <a:r>
+              <a:rPr lang="en-US" sz="1000" dirty="0"/>
+              <a:t>https://www.aoa.org</a:t>
+            </a:r>
+          </a:p>
+        </p:txBody>
+      </p:sp>
+    </p:spTree>
+    <p:extLst>
+      <p:ext uri="{BB962C8B-B14F-4D97-AF65-F5344CB8AC3E}">
+        <p14:creationId xmlns:p14="http://schemas.microsoft.com/office/powerpoint/2010/main" val="3770919798"/>
+      </p:ext>
+    </p:extLst>
+  </p:cSld>
+  <p:clrMapOvr>
+    <a:masterClrMapping/>
+  </p:clrMapOvr>
+</p:sld>
+</file>
+
+<file path=ppt/slides/slide22.xml><?xml version="1.0" encoding="utf-8"?>
+<p:sld xmlns:a="http://schemas.openxmlformats.org/drawingml/2006/main" xmlns:r="http://schemas.openxmlformats.org/officeDocument/2006/relationships" xmlns:p="http://schemas.openxmlformats.org/presentationml/2006/main">
+  <p:cSld>
+    <p:spTree>
+      <p:nvGrpSpPr>
+        <p:cNvPr id="1" name=""/>
+        <p:cNvGrpSpPr/>
+        <p:nvPr/>
+      </p:nvGrpSpPr>
+      <p:grpSpPr>
+        <a:xfrm>
+          <a:off x="0" y="0"/>
+          <a:ext cx="0" cy="0"/>
+          <a:chOff x="0" y="0"/>
+          <a:chExt cx="0" cy="0"/>
+        </a:xfrm>
+      </p:grpSpPr>
+      <p:sp>
+        <p:nvSpPr>
+          <p:cNvPr id="2" name="Title 1">
+            <a:extLst>
+              <a:ext uri="{FF2B5EF4-FFF2-40B4-BE49-F238E27FC236}">
+                <a16:creationId xmlns:a16="http://schemas.microsoft.com/office/drawing/2014/main" id="{C9D9F6A4-915F-4526-80D1-159F6FB84B63}"/>
+              </a:ext>
+            </a:extLst>
+          </p:cNvPr>
+          <p:cNvSpPr>
+            <a:spLocks noGrp="1"/>
+          </p:cNvSpPr>
+          <p:nvPr>
+            <p:ph type="title"/>
+          </p:nvPr>
+        </p:nvSpPr>
+        <p:spPr/>
+        <p:txBody>
+          <a:bodyPr/>
+          <a:lstStyle/>
+          <a:p>
+            <a:endParaRPr lang="en-US"/>
+          </a:p>
+        </p:txBody>
+      </p:sp>
+      <p:sp>
+        <p:nvSpPr>
+          <p:cNvPr id="3" name="Content Placeholder 2">
+            <a:extLst>
+              <a:ext uri="{FF2B5EF4-FFF2-40B4-BE49-F238E27FC236}">
+                <a16:creationId xmlns:a16="http://schemas.microsoft.com/office/drawing/2014/main" id="{41135F9E-9EBC-4255-83A6-C5AD2E373E20}"/>
+              </a:ext>
+            </a:extLst>
+          </p:cNvPr>
+          <p:cNvSpPr>
+            <a:spLocks noGrp="1"/>
+          </p:cNvSpPr>
+          <p:nvPr>
+            <p:ph idx="1"/>
+          </p:nvPr>
+        </p:nvSpPr>
+        <p:spPr/>
+        <p:txBody>
+          <a:bodyPr/>
+          <a:lstStyle/>
+          <a:p>
+            <a:endParaRPr lang="en-US"/>
+          </a:p>
+        </p:txBody>
+      </p:sp>
+      <p:pic>
+        <p:nvPicPr>
+          <p:cNvPr id="2050" name="Picture 2" descr="https://media.endocrinologyadvisor.com/images/2017/11/28/retinag01apadzb1_1333716.jpg?format=jpg&amp;zoom=1&amp;quality=70&amp;anchor=middlecenter&amp;width=320&amp;mode=pad">
+            <a:extLst>
+              <a:ext uri="{FF2B5EF4-FFF2-40B4-BE49-F238E27FC236}">
+                <a16:creationId xmlns:a16="http://schemas.microsoft.com/office/drawing/2014/main" id="{127BCD0D-BC47-492A-BCE5-80DCD7755450}"/>
+              </a:ext>
+            </a:extLst>
+          </p:cNvPr>
+          <p:cNvPicPr>
+            <a:picLocks noChangeAspect="1" noChangeArrowheads="1"/>
+          </p:cNvPicPr>
+          <p:nvPr/>
+        </p:nvPicPr>
+        <p:blipFill>
+          <a:blip r:embed="rId2">
+            <a:extLst>
+              <a:ext uri="{28A0092B-C50C-407E-A947-70E740481C1C}">
+                <a14:useLocalDpi xmlns:a14="http://schemas.microsoft.com/office/drawing/2010/main" val="0"/>
+              </a:ext>
+            </a:extLst>
+          </a:blip>
+          <a:srcRect/>
+          <a:stretch>
+            <a:fillRect/>
+          </a:stretch>
+        </p:blipFill>
+        <p:spPr bwMode="auto">
+          <a:xfrm>
+            <a:off x="2668780" y="1066475"/>
+            <a:ext cx="6573982" cy="4725050"/>
+          </a:xfrm>
+          <a:prstGeom prst="rect">
+            <a:avLst/>
+          </a:prstGeom>
+          <a:noFill/>
+          <a:extLst>
+            <a:ext uri="{909E8E84-426E-40DD-AFC4-6F175D3DCCD1}">
+              <a14:hiddenFill xmlns:a14="http://schemas.microsoft.com/office/drawing/2010/main">
+                <a:solidFill>
+                  <a:srgbClr val="FFFFFF"/>
+                </a:solidFill>
+              </a14:hiddenFill>
+            </a:ext>
+          </a:extLst>
+        </p:spPr>
+      </p:pic>
+      <p:sp>
+        <p:nvSpPr>
+          <p:cNvPr id="5" name="TextBox 4">
+            <a:extLst>
+              <a:ext uri="{FF2B5EF4-FFF2-40B4-BE49-F238E27FC236}">
+                <a16:creationId xmlns:a16="http://schemas.microsoft.com/office/drawing/2014/main" id="{7ED95568-9DFA-41FF-B1E5-A16E2DF6E3F7}"/>
+              </a:ext>
+            </a:extLst>
+          </p:cNvPr>
+          <p:cNvSpPr txBox="1"/>
+          <p:nvPr/>
+        </p:nvSpPr>
+        <p:spPr>
+          <a:xfrm>
+            <a:off x="0" y="6611779"/>
+            <a:ext cx="2300630" cy="246221"/>
+          </a:xfrm>
+          <a:prstGeom prst="rect">
+            <a:avLst/>
+          </a:prstGeom>
+          <a:noFill/>
+        </p:spPr>
+        <p:txBody>
+          <a:bodyPr wrap="none" rtlCol="0">
+            <a:spAutoFit/>
+          </a:bodyPr>
+          <a:lstStyle/>
+          <a:p>
+            <a:r>
+              <a:rPr lang="en-US" sz="1000" dirty="0"/>
+              <a:t>https://www.endocrinologyadvisor.com</a:t>
+            </a:r>
+          </a:p>
+        </p:txBody>
+      </p:sp>
+    </p:spTree>
+    <p:extLst>
+      <p:ext uri="{BB962C8B-B14F-4D97-AF65-F5344CB8AC3E}">
+        <p14:creationId xmlns:p14="http://schemas.microsoft.com/office/powerpoint/2010/main" val="2853637892"/>
+      </p:ext>
+    </p:extLst>
+  </p:cSld>
+  <p:clrMapOvr>
+    <a:masterClrMapping/>
+  </p:clrMapOvr>
+</p:sld>
+</file>
+
+<file path=ppt/slides/slide23.xml><?xml version="1.0" encoding="utf-8"?>
+<p:sld xmlns:a="http://schemas.openxmlformats.org/drawingml/2006/main" xmlns:r="http://schemas.openxmlformats.org/officeDocument/2006/relationships" xmlns:p="http://schemas.openxmlformats.org/presentationml/2006/main">
+  <p:cSld>
+    <p:spTree>
+      <p:nvGrpSpPr>
+        <p:cNvPr id="1" name=""/>
+        <p:cNvGrpSpPr/>
+        <p:nvPr/>
+      </p:nvGrpSpPr>
+      <p:grpSpPr>
+        <a:xfrm>
+          <a:off x="0" y="0"/>
+          <a:ext cx="0" cy="0"/>
+          <a:chOff x="0" y="0"/>
+          <a:chExt cx="0" cy="0"/>
+        </a:xfrm>
+      </p:grpSpPr>
+      <p:sp>
+        <p:nvSpPr>
+          <p:cNvPr id="2" name="Title 1">
+            <a:extLst>
+              <a:ext uri="{FF2B5EF4-FFF2-40B4-BE49-F238E27FC236}">
+                <a16:creationId xmlns:a16="http://schemas.microsoft.com/office/drawing/2014/main" id="{8613476A-E725-4778-AD48-BD195B16468D}"/>
+              </a:ext>
+            </a:extLst>
+          </p:cNvPr>
+          <p:cNvSpPr>
+            <a:spLocks noGrp="1"/>
+          </p:cNvSpPr>
+          <p:nvPr>
+            <p:ph type="title"/>
+          </p:nvPr>
+        </p:nvSpPr>
+        <p:spPr/>
+        <p:txBody>
+          <a:bodyPr/>
+          <a:lstStyle/>
+          <a:p>
+            <a:r>
+              <a:rPr lang="en-US" dirty="0"/>
+              <a:t>Diabetic retinopathy</a:t>
+            </a:r>
+          </a:p>
+        </p:txBody>
+      </p:sp>
+      <p:sp>
+        <p:nvSpPr>
+          <p:cNvPr id="3" name="Content Placeholder 2">
+            <a:extLst>
+              <a:ext uri="{FF2B5EF4-FFF2-40B4-BE49-F238E27FC236}">
+                <a16:creationId xmlns:a16="http://schemas.microsoft.com/office/drawing/2014/main" id="{CDF2DC1C-D430-4E9D-8B77-F93F91A01E34}"/>
+              </a:ext>
+            </a:extLst>
+          </p:cNvPr>
+          <p:cNvSpPr>
+            <a:spLocks noGrp="1"/>
+          </p:cNvSpPr>
+          <p:nvPr>
+            <p:ph idx="1"/>
+          </p:nvPr>
+        </p:nvSpPr>
+        <p:spPr/>
+        <p:txBody>
+          <a:bodyPr>
+            <a:normAutofit/>
+          </a:bodyPr>
+          <a:lstStyle/>
+          <a:p>
+            <a:r>
+              <a:rPr lang="en-US" dirty="0"/>
+              <a:t>DNN trained 128,175 images previously evaluated by a panel of 54 board-certified U.S. ophthalmologists and senior ophthalmology residents</a:t>
+            </a:r>
+          </a:p>
+          <a:p>
+            <a:r>
+              <a:rPr lang="en-US" dirty="0"/>
+              <a:t> AUC of 0.97–0.99 for detecting referable diabetic retinopathy</a:t>
+            </a:r>
+          </a:p>
+        </p:txBody>
+      </p:sp>
+      <p:sp>
+        <p:nvSpPr>
+          <p:cNvPr id="4" name="TextBox 3">
+            <a:extLst>
+              <a:ext uri="{FF2B5EF4-FFF2-40B4-BE49-F238E27FC236}">
+                <a16:creationId xmlns:a16="http://schemas.microsoft.com/office/drawing/2014/main" id="{FFC5D8FA-58CD-4547-94B8-EAFB76D903FC}"/>
+              </a:ext>
+            </a:extLst>
+          </p:cNvPr>
+          <p:cNvSpPr txBox="1"/>
+          <p:nvPr/>
+        </p:nvSpPr>
+        <p:spPr>
+          <a:xfrm>
+            <a:off x="0" y="6642556"/>
+            <a:ext cx="5565947" cy="215444"/>
+          </a:xfrm>
+          <a:prstGeom prst="rect">
+            <a:avLst/>
+          </a:prstGeom>
+          <a:noFill/>
+        </p:spPr>
+        <p:txBody>
+          <a:bodyPr wrap="none" rtlCol="0">
+            <a:spAutoFit/>
+          </a:bodyPr>
+          <a:lstStyle/>
+          <a:p>
+            <a:r>
+              <a:rPr lang="en-US" sz="800" dirty="0"/>
+              <a:t>Fogel, Alexander L., and Joseph C. </a:t>
+            </a:r>
+            <a:r>
+              <a:rPr lang="en-US" sz="800" dirty="0" err="1"/>
+              <a:t>Kvedar</a:t>
+            </a:r>
+            <a:r>
+              <a:rPr lang="en-US" sz="800" dirty="0"/>
+              <a:t>. "Artificial intelligence powers digital medicine." </a:t>
+            </a:r>
+            <a:r>
+              <a:rPr lang="en-US" sz="800" dirty="0" err="1"/>
+              <a:t>npj</a:t>
+            </a:r>
+            <a:r>
+              <a:rPr lang="en-US" sz="800" dirty="0"/>
+              <a:t> Digital Medicine 1.1 (2018): 5</a:t>
+            </a:r>
+          </a:p>
+        </p:txBody>
+      </p:sp>
+    </p:spTree>
+    <p:extLst>
+      <p:ext uri="{BB962C8B-B14F-4D97-AF65-F5344CB8AC3E}">
+        <p14:creationId xmlns:p14="http://schemas.microsoft.com/office/powerpoint/2010/main" val="2045944374"/>
+      </p:ext>
+    </p:extLst>
+  </p:cSld>
+  <p:clrMapOvr>
+    <a:masterClrMapping/>
+  </p:clrMapOvr>
+  <p:timing>
+    <p:tnLst>
+      <p:par>
+        <p:cTn id="1" dur="indefinite" restart="never" nodeType="tmRoot">
+          <p:childTnLst>
+            <p:seq concurrent="1" nextAc="seek">
+              <p:cTn id="2" dur="indefinite" nodeType="mainSeq">
+                <p:childTnLst>
                   <p:par>
-                    <p:cTn id="15" fill="hold">
+                    <p:cTn id="3" fill="hold">
                       <p:stCondLst>
                         <p:cond delay="indefinite"/>
                       </p:stCondLst>
                       <p:childTnLst>
                         <p:par>
-                          <p:cTn id="16" fill="hold">
+                          <p:cTn id="4" fill="hold">
                             <p:stCondLst>
                               <p:cond delay="0"/>
                             </p:stCondLst>
                             <p:childTnLst>
                               <p:par>
-                                <p:cTn id="17" presetID="1" presetClass="entr" presetSubtype="0" fill="hold" nodeType="clickEffect">
+                                <p:cTn id="5" presetID="1" presetClass="entr" presetSubtype="0" fill="hold" nodeType="clickEffect">
                                   <p:stCondLst>
                                     <p:cond delay="0"/>
                                   </p:stCondLst>
                                   <p:childTnLst>
                                     <p:set>
                                       <p:cBhvr>
-                                        <p:cTn id="18" dur="1" fill="hold">
+                                        <p:cTn id="6" dur="1" fill="hold">
                                           <p:stCondLst>
                                             <p:cond delay="0"/>
                                           </p:stCondLst>
@@ -6982,7 +7470,7 @@
                                         <p:tgtEl>
                                           <p:spTgt spid="3">
                                             <p:txEl>
-                                              <p:pRg st="4" end="4"/>
+                                              <p:pRg st="0" end="0"/>
                                             </p:txEl>
                                           </p:spTgt>
                                         </p:tgtEl>
@@ -7004,26 +7492,26 @@
                     </p:cTn>
                   </p:par>
                   <p:par>
-                    <p:cTn id="19" fill="hold">
+                    <p:cTn id="7" fill="hold">
                       <p:stCondLst>
                         <p:cond delay="indefinite"/>
                       </p:stCondLst>
                       <p:childTnLst>
                         <p:par>
-                          <p:cTn id="20" fill="hold">
+                          <p:cTn id="8" fill="hold">
                             <p:stCondLst>
                               <p:cond delay="0"/>
                             </p:stCondLst>
                             <p:childTnLst>
                               <p:par>
-                                <p:cTn id="21" presetID="1" presetClass="entr" presetSubtype="0" fill="hold" nodeType="clickEffect">
+                                <p:cTn id="9" presetID="1" presetClass="entr" presetSubtype="0" fill="hold" nodeType="clickEffect">
                                   <p:stCondLst>
                                     <p:cond delay="0"/>
                                   </p:stCondLst>
                                   <p:childTnLst>
                                     <p:set>
                                       <p:cBhvr>
-                                        <p:cTn id="22" dur="1" fill="hold">
+                                        <p:cTn id="10" dur="1" fill="hold">
                                           <p:stCondLst>
                                             <p:cond delay="0"/>
                                           </p:stCondLst>
@@ -7031,7 +7519,7 @@
                                         <p:tgtEl>
                                           <p:spTgt spid="3">
                                             <p:txEl>
-                                              <p:pRg st="5" end="5"/>
+                                              <p:pRg st="1" end="1"/>
                                             </p:txEl>
                                           </p:spTgt>
                                         </p:tgtEl>
@@ -7077,331 +7565,7 @@
 </p:sld>
 </file>
 
-<file path=ppt/slides/slide21.xml><?xml version="1.0" encoding="utf-8"?>
-<p:sld xmlns:a="http://schemas.openxmlformats.org/drawingml/2006/main" xmlns:r="http://schemas.openxmlformats.org/officeDocument/2006/relationships" xmlns:p="http://schemas.openxmlformats.org/presentationml/2006/main">
-  <p:cSld>
-    <p:spTree>
-      <p:nvGrpSpPr>
-        <p:cNvPr id="1" name=""/>
-        <p:cNvGrpSpPr/>
-        <p:nvPr/>
-      </p:nvGrpSpPr>
-      <p:grpSpPr>
-        <a:xfrm>
-          <a:off x="0" y="0"/>
-          <a:ext cx="0" cy="0"/>
-          <a:chOff x="0" y="0"/>
-          <a:chExt cx="0" cy="0"/>
-        </a:xfrm>
-      </p:grpSpPr>
-      <p:sp>
-        <p:nvSpPr>
-          <p:cNvPr id="2" name="Title 1">
-            <a:extLst>
-              <a:ext uri="{FF2B5EF4-FFF2-40B4-BE49-F238E27FC236}">
-                <a16:creationId xmlns:a16="http://schemas.microsoft.com/office/drawing/2014/main" id="{70A4DA00-A752-49C6-95F7-206A0F57CB20}"/>
-              </a:ext>
-            </a:extLst>
-          </p:cNvPr>
-          <p:cNvSpPr>
-            <a:spLocks noGrp="1"/>
-          </p:cNvSpPr>
-          <p:nvPr>
-            <p:ph type="title"/>
-          </p:nvPr>
-        </p:nvSpPr>
-        <p:spPr/>
-        <p:txBody>
-          <a:bodyPr/>
-          <a:lstStyle/>
-          <a:p>
-            <a:endParaRPr lang="en-US"/>
-          </a:p>
-        </p:txBody>
-      </p:sp>
-      <p:sp>
-        <p:nvSpPr>
-          <p:cNvPr id="3" name="Content Placeholder 2">
-            <a:extLst>
-              <a:ext uri="{FF2B5EF4-FFF2-40B4-BE49-F238E27FC236}">
-                <a16:creationId xmlns:a16="http://schemas.microsoft.com/office/drawing/2014/main" id="{D9005224-60AA-433E-8BE6-79B333BBAC77}"/>
-              </a:ext>
-            </a:extLst>
-          </p:cNvPr>
-          <p:cNvSpPr>
-            <a:spLocks noGrp="1"/>
-          </p:cNvSpPr>
-          <p:nvPr>
-            <p:ph idx="1"/>
-          </p:nvPr>
-        </p:nvSpPr>
-        <p:spPr/>
-        <p:txBody>
-          <a:bodyPr/>
-          <a:lstStyle/>
-          <a:p>
-            <a:endParaRPr lang="en-US"/>
-          </a:p>
-        </p:txBody>
-      </p:sp>
-      <p:pic>
-        <p:nvPicPr>
-          <p:cNvPr id="1026" name="Picture 2" descr="https://www.aoa.org/Images/public/Diabetic_Retinopathy.jpg">
-            <a:extLst>
-              <a:ext uri="{FF2B5EF4-FFF2-40B4-BE49-F238E27FC236}">
-                <a16:creationId xmlns:a16="http://schemas.microsoft.com/office/drawing/2014/main" id="{78FF0E50-60EB-4677-8FF0-D476B9AF1D29}"/>
-              </a:ext>
-            </a:extLst>
-          </p:cNvPr>
-          <p:cNvPicPr>
-            <a:picLocks noChangeAspect="1" noChangeArrowheads="1"/>
-          </p:cNvPicPr>
-          <p:nvPr/>
-        </p:nvPicPr>
-        <p:blipFill>
-          <a:blip r:embed="rId2">
-            <a:extLst>
-              <a:ext uri="{28A0092B-C50C-407E-A947-70E740481C1C}">
-                <a14:useLocalDpi xmlns:a14="http://schemas.microsoft.com/office/drawing/2010/main" val="0"/>
-              </a:ext>
-            </a:extLst>
-          </a:blip>
-          <a:srcRect/>
-          <a:stretch>
-            <a:fillRect/>
-          </a:stretch>
-        </p:blipFill>
-        <p:spPr bwMode="auto">
-          <a:xfrm>
-            <a:off x="1301959" y="1255135"/>
-            <a:ext cx="9570475" cy="4347730"/>
-          </a:xfrm>
-          <a:prstGeom prst="rect">
-            <a:avLst/>
-          </a:prstGeom>
-          <a:noFill/>
-          <a:extLst>
-            <a:ext uri="{909E8E84-426E-40DD-AFC4-6F175D3DCCD1}">
-              <a14:hiddenFill xmlns:a14="http://schemas.microsoft.com/office/drawing/2010/main">
-                <a:solidFill>
-                  <a:srgbClr val="FFFFFF"/>
-                </a:solidFill>
-              </a14:hiddenFill>
-            </a:ext>
-          </a:extLst>
-        </p:spPr>
-      </p:pic>
-      <p:sp>
-        <p:nvSpPr>
-          <p:cNvPr id="4" name="TextBox 3">
-            <a:extLst>
-              <a:ext uri="{FF2B5EF4-FFF2-40B4-BE49-F238E27FC236}">
-                <a16:creationId xmlns:a16="http://schemas.microsoft.com/office/drawing/2014/main" id="{E7645E2B-20F9-496B-9D8D-136D6AD93D14}"/>
-              </a:ext>
-            </a:extLst>
-          </p:cNvPr>
-          <p:cNvSpPr txBox="1"/>
-          <p:nvPr/>
-        </p:nvSpPr>
-        <p:spPr>
-          <a:xfrm>
-            <a:off x="0" y="6611779"/>
-            <a:ext cx="1301959" cy="246221"/>
-          </a:xfrm>
-          <a:prstGeom prst="rect">
-            <a:avLst/>
-          </a:prstGeom>
-          <a:noFill/>
-        </p:spPr>
-        <p:txBody>
-          <a:bodyPr wrap="none" rtlCol="0">
-            <a:spAutoFit/>
-          </a:bodyPr>
-          <a:lstStyle/>
-          <a:p>
-            <a:r>
-              <a:rPr lang="en-US" sz="1000" dirty="0"/>
-              <a:t>https://www.aoa.org</a:t>
-            </a:r>
-          </a:p>
-        </p:txBody>
-      </p:sp>
-    </p:spTree>
-    <p:extLst>
-      <p:ext uri="{BB962C8B-B14F-4D97-AF65-F5344CB8AC3E}">
-        <p14:creationId xmlns:p14="http://schemas.microsoft.com/office/powerpoint/2010/main" val="3770919798"/>
-      </p:ext>
-    </p:extLst>
-  </p:cSld>
-  <p:clrMapOvr>
-    <a:masterClrMapping/>
-  </p:clrMapOvr>
-</p:sld>
-</file>
-
-<file path=ppt/slides/slide22.xml><?xml version="1.0" encoding="utf-8"?>
-<p:sld xmlns:a="http://schemas.openxmlformats.org/drawingml/2006/main" xmlns:r="http://schemas.openxmlformats.org/officeDocument/2006/relationships" xmlns:p="http://schemas.openxmlformats.org/presentationml/2006/main">
-  <p:cSld>
-    <p:spTree>
-      <p:nvGrpSpPr>
-        <p:cNvPr id="1" name=""/>
-        <p:cNvGrpSpPr/>
-        <p:nvPr/>
-      </p:nvGrpSpPr>
-      <p:grpSpPr>
-        <a:xfrm>
-          <a:off x="0" y="0"/>
-          <a:ext cx="0" cy="0"/>
-          <a:chOff x="0" y="0"/>
-          <a:chExt cx="0" cy="0"/>
-        </a:xfrm>
-      </p:grpSpPr>
-      <p:sp>
-        <p:nvSpPr>
-          <p:cNvPr id="2" name="Title 1">
-            <a:extLst>
-              <a:ext uri="{FF2B5EF4-FFF2-40B4-BE49-F238E27FC236}">
-                <a16:creationId xmlns:a16="http://schemas.microsoft.com/office/drawing/2014/main" id="{C9D9F6A4-915F-4526-80D1-159F6FB84B63}"/>
-              </a:ext>
-            </a:extLst>
-          </p:cNvPr>
-          <p:cNvSpPr>
-            <a:spLocks noGrp="1"/>
-          </p:cNvSpPr>
-          <p:nvPr>
-            <p:ph type="title"/>
-          </p:nvPr>
-        </p:nvSpPr>
-        <p:spPr/>
-        <p:txBody>
-          <a:bodyPr/>
-          <a:lstStyle/>
-          <a:p>
-            <a:endParaRPr lang="en-US"/>
-          </a:p>
-        </p:txBody>
-      </p:sp>
-      <p:sp>
-        <p:nvSpPr>
-          <p:cNvPr id="3" name="Content Placeholder 2">
-            <a:extLst>
-              <a:ext uri="{FF2B5EF4-FFF2-40B4-BE49-F238E27FC236}">
-                <a16:creationId xmlns:a16="http://schemas.microsoft.com/office/drawing/2014/main" id="{41135F9E-9EBC-4255-83A6-C5AD2E373E20}"/>
-              </a:ext>
-            </a:extLst>
-          </p:cNvPr>
-          <p:cNvSpPr>
-            <a:spLocks noGrp="1"/>
-          </p:cNvSpPr>
-          <p:nvPr>
-            <p:ph idx="1"/>
-          </p:nvPr>
-        </p:nvSpPr>
-        <p:spPr/>
-        <p:txBody>
-          <a:bodyPr/>
-          <a:lstStyle/>
-          <a:p>
-            <a:endParaRPr lang="en-US"/>
-          </a:p>
-        </p:txBody>
-      </p:sp>
-      <p:pic>
-        <p:nvPicPr>
-          <p:cNvPr id="2050" name="Picture 2" descr="https://media.endocrinologyadvisor.com/images/2017/11/28/retinag01apadzb1_1333716.jpg?format=jpg&amp;zoom=1&amp;quality=70&amp;anchor=middlecenter&amp;width=320&amp;mode=pad">
-            <a:extLst>
-              <a:ext uri="{FF2B5EF4-FFF2-40B4-BE49-F238E27FC236}">
-                <a16:creationId xmlns:a16="http://schemas.microsoft.com/office/drawing/2014/main" id="{127BCD0D-BC47-492A-BCE5-80DCD7755450}"/>
-              </a:ext>
-            </a:extLst>
-          </p:cNvPr>
-          <p:cNvPicPr>
-            <a:picLocks noChangeAspect="1" noChangeArrowheads="1"/>
-          </p:cNvPicPr>
-          <p:nvPr/>
-        </p:nvPicPr>
-        <p:blipFill>
-          <a:blip r:embed="rId2">
-            <a:extLst>
-              <a:ext uri="{28A0092B-C50C-407E-A947-70E740481C1C}">
-                <a14:useLocalDpi xmlns:a14="http://schemas.microsoft.com/office/drawing/2010/main" val="0"/>
-              </a:ext>
-            </a:extLst>
-          </a:blip>
-          <a:srcRect/>
-          <a:stretch>
-            <a:fillRect/>
-          </a:stretch>
-        </p:blipFill>
-        <p:spPr bwMode="auto">
-          <a:xfrm>
-            <a:off x="2668780" y="1066475"/>
-            <a:ext cx="6573982" cy="4725050"/>
-          </a:xfrm>
-          <a:prstGeom prst="rect">
-            <a:avLst/>
-          </a:prstGeom>
-          <a:noFill/>
-          <a:extLst>
-            <a:ext uri="{909E8E84-426E-40DD-AFC4-6F175D3DCCD1}">
-              <a14:hiddenFill xmlns:a14="http://schemas.microsoft.com/office/drawing/2010/main">
-                <a:solidFill>
-                  <a:srgbClr val="FFFFFF"/>
-                </a:solidFill>
-              </a14:hiddenFill>
-            </a:ext>
-          </a:extLst>
-        </p:spPr>
-      </p:pic>
-      <p:sp>
-        <p:nvSpPr>
-          <p:cNvPr id="5" name="TextBox 4">
-            <a:extLst>
-              <a:ext uri="{FF2B5EF4-FFF2-40B4-BE49-F238E27FC236}">
-                <a16:creationId xmlns:a16="http://schemas.microsoft.com/office/drawing/2014/main" id="{7ED95568-9DFA-41FF-B1E5-A16E2DF6E3F7}"/>
-              </a:ext>
-            </a:extLst>
-          </p:cNvPr>
-          <p:cNvSpPr txBox="1"/>
-          <p:nvPr/>
-        </p:nvSpPr>
-        <p:spPr>
-          <a:xfrm>
-            <a:off x="0" y="6611779"/>
-            <a:ext cx="2300630" cy="246221"/>
-          </a:xfrm>
-          <a:prstGeom prst="rect">
-            <a:avLst/>
-          </a:prstGeom>
-          <a:noFill/>
-        </p:spPr>
-        <p:txBody>
-          <a:bodyPr wrap="none" rtlCol="0">
-            <a:spAutoFit/>
-          </a:bodyPr>
-          <a:lstStyle/>
-          <a:p>
-            <a:r>
-              <a:rPr lang="en-US" sz="1000" dirty="0"/>
-              <a:t>https://www.endocrinologyadvisor.com</a:t>
-            </a:r>
-          </a:p>
-        </p:txBody>
-      </p:sp>
-    </p:spTree>
-    <p:extLst>
-      <p:ext uri="{BB962C8B-B14F-4D97-AF65-F5344CB8AC3E}">
-        <p14:creationId xmlns:p14="http://schemas.microsoft.com/office/powerpoint/2010/main" val="2853637892"/>
-      </p:ext>
-    </p:extLst>
-  </p:cSld>
-  <p:clrMapOvr>
-    <a:masterClrMapping/>
-  </p:clrMapOvr>
-</p:sld>
-</file>
-
-<file path=ppt/slides/slide23.xml><?xml version="1.0" encoding="utf-8"?>
+<file path=ppt/slides/slide24.xml><?xml version="1.0" encoding="utf-8"?>
 <p:sld xmlns:a="http://schemas.openxmlformats.org/drawingml/2006/main" xmlns:r="http://schemas.openxmlformats.org/officeDocument/2006/relationships" xmlns:p="http://schemas.openxmlformats.org/presentationml/2006/main">
   <p:cSld>
     <p:spTree>
@@ -7511,89 +7675,6 @@
 </p:sld>
 </file>
 
-<file path=ppt/slides/slide24.xml><?xml version="1.0" encoding="utf-8"?>
-<p:sld xmlns:a="http://schemas.openxmlformats.org/drawingml/2006/main" xmlns:r="http://schemas.openxmlformats.org/officeDocument/2006/relationships" xmlns:p="http://schemas.openxmlformats.org/presentationml/2006/main">
-  <p:cSld>
-    <p:spTree>
-      <p:nvGrpSpPr>
-        <p:cNvPr id="1" name=""/>
-        <p:cNvGrpSpPr/>
-        <p:nvPr/>
-      </p:nvGrpSpPr>
-      <p:grpSpPr>
-        <a:xfrm>
-          <a:off x="0" y="0"/>
-          <a:ext cx="0" cy="0"/>
-          <a:chOff x="0" y="0"/>
-          <a:chExt cx="0" cy="0"/>
-        </a:xfrm>
-      </p:grpSpPr>
-      <p:sp>
-        <p:nvSpPr>
-          <p:cNvPr id="4" name="Title 3">
-            <a:extLst>
-              <a:ext uri="{FF2B5EF4-FFF2-40B4-BE49-F238E27FC236}">
-                <a16:creationId xmlns:a16="http://schemas.microsoft.com/office/drawing/2014/main" id="{9E8D9101-1EA8-4ADD-902E-7585D9B2E7D8}"/>
-              </a:ext>
-            </a:extLst>
-          </p:cNvPr>
-          <p:cNvSpPr>
-            <a:spLocks noGrp="1"/>
-          </p:cNvSpPr>
-          <p:nvPr>
-            <p:ph type="title"/>
-          </p:nvPr>
-        </p:nvSpPr>
-        <p:spPr/>
-        <p:txBody>
-          <a:bodyPr/>
-          <a:lstStyle/>
-          <a:p>
-            <a:r>
-              <a:rPr lang="en-US" dirty="0"/>
-              <a:t>Deep Learning Tools</a:t>
-            </a:r>
-          </a:p>
-        </p:txBody>
-      </p:sp>
-      <p:sp>
-        <p:nvSpPr>
-          <p:cNvPr id="5" name="Text Placeholder 4">
-            <a:extLst>
-              <a:ext uri="{FF2B5EF4-FFF2-40B4-BE49-F238E27FC236}">
-                <a16:creationId xmlns:a16="http://schemas.microsoft.com/office/drawing/2014/main" id="{6216408C-3901-4BA6-B63B-C23003EEA25A}"/>
-              </a:ext>
-            </a:extLst>
-          </p:cNvPr>
-          <p:cNvSpPr>
-            <a:spLocks noGrp="1"/>
-          </p:cNvSpPr>
-          <p:nvPr>
-            <p:ph type="body" idx="1"/>
-          </p:nvPr>
-        </p:nvSpPr>
-        <p:spPr/>
-        <p:txBody>
-          <a:bodyPr/>
-          <a:lstStyle/>
-          <a:p>
-            <a:endParaRPr lang="en-US"/>
-          </a:p>
-        </p:txBody>
-      </p:sp>
-    </p:spTree>
-    <p:extLst>
-      <p:ext uri="{BB962C8B-B14F-4D97-AF65-F5344CB8AC3E}">
-        <p14:creationId xmlns:p14="http://schemas.microsoft.com/office/powerpoint/2010/main" val="807951484"/>
-      </p:ext>
-    </p:extLst>
-  </p:cSld>
-  <p:clrMapOvr>
-    <a:masterClrMapping/>
-  </p:clrMapOvr>
-</p:sld>
-</file>
-
 <file path=ppt/slides/slide25.xml><?xml version="1.0" encoding="utf-8"?>
 <p:sld xmlns:a="http://schemas.openxmlformats.org/drawingml/2006/main" xmlns:r="http://schemas.openxmlformats.org/officeDocument/2006/relationships" xmlns:p="http://schemas.openxmlformats.org/presentationml/2006/main">
   <p:cSld>
@@ -7613,6 +7694,89 @@
       </p:grpSpPr>
       <p:sp>
         <p:nvSpPr>
+          <p:cNvPr id="4" name="Title 3">
+            <a:extLst>
+              <a:ext uri="{FF2B5EF4-FFF2-40B4-BE49-F238E27FC236}">
+                <a16:creationId xmlns:a16="http://schemas.microsoft.com/office/drawing/2014/main" id="{9E8D9101-1EA8-4ADD-902E-7585D9B2E7D8}"/>
+              </a:ext>
+            </a:extLst>
+          </p:cNvPr>
+          <p:cNvSpPr>
+            <a:spLocks noGrp="1"/>
+          </p:cNvSpPr>
+          <p:nvPr>
+            <p:ph type="title"/>
+          </p:nvPr>
+        </p:nvSpPr>
+        <p:spPr/>
+        <p:txBody>
+          <a:bodyPr/>
+          <a:lstStyle/>
+          <a:p>
+            <a:r>
+              <a:rPr lang="en-US" dirty="0"/>
+              <a:t>Deep Learning Tools</a:t>
+            </a:r>
+          </a:p>
+        </p:txBody>
+      </p:sp>
+      <p:sp>
+        <p:nvSpPr>
+          <p:cNvPr id="5" name="Text Placeholder 4">
+            <a:extLst>
+              <a:ext uri="{FF2B5EF4-FFF2-40B4-BE49-F238E27FC236}">
+                <a16:creationId xmlns:a16="http://schemas.microsoft.com/office/drawing/2014/main" id="{6216408C-3901-4BA6-B63B-C23003EEA25A}"/>
+              </a:ext>
+            </a:extLst>
+          </p:cNvPr>
+          <p:cNvSpPr>
+            <a:spLocks noGrp="1"/>
+          </p:cNvSpPr>
+          <p:nvPr>
+            <p:ph type="body" idx="1"/>
+          </p:nvPr>
+        </p:nvSpPr>
+        <p:spPr/>
+        <p:txBody>
+          <a:bodyPr/>
+          <a:lstStyle/>
+          <a:p>
+            <a:endParaRPr lang="en-US"/>
+          </a:p>
+        </p:txBody>
+      </p:sp>
+    </p:spTree>
+    <p:extLst>
+      <p:ext uri="{BB962C8B-B14F-4D97-AF65-F5344CB8AC3E}">
+        <p14:creationId xmlns:p14="http://schemas.microsoft.com/office/powerpoint/2010/main" val="807951484"/>
+      </p:ext>
+    </p:extLst>
+  </p:cSld>
+  <p:clrMapOvr>
+    <a:masterClrMapping/>
+  </p:clrMapOvr>
+</p:sld>
+</file>
+
+<file path=ppt/slides/slide26.xml><?xml version="1.0" encoding="utf-8"?>
+<p:sld xmlns:a="http://schemas.openxmlformats.org/drawingml/2006/main" xmlns:r="http://schemas.openxmlformats.org/officeDocument/2006/relationships" xmlns:p="http://schemas.openxmlformats.org/presentationml/2006/main">
+  <p:cSld>
+    <p:spTree>
+      <p:nvGrpSpPr>
+        <p:cNvPr id="1" name=""/>
+        <p:cNvGrpSpPr/>
+        <p:nvPr/>
+      </p:nvGrpSpPr>
+      <p:grpSpPr>
+        <a:xfrm>
+          <a:off x="0" y="0"/>
+          <a:ext cx="0" cy="0"/>
+          <a:chOff x="0" y="0"/>
+          <a:chExt cx="0" cy="0"/>
+        </a:xfrm>
+      </p:grpSpPr>
+      <p:sp>
+        <p:nvSpPr>
           <p:cNvPr id="2" name="Title 1">
             <a:extLst>
               <a:ext uri="{FF2B5EF4-FFF2-40B4-BE49-F238E27FC236}">
@@ -7691,7 +7855,7 @@
 </p:sld>
 </file>
 
-<file path=ppt/slides/slide26.xml><?xml version="1.0" encoding="utf-8"?>
+<file path=ppt/slides/slide27.xml><?xml version="1.0" encoding="utf-8"?>
 <p:sld xmlns:a="http://schemas.openxmlformats.org/drawingml/2006/main" xmlns:r="http://schemas.openxmlformats.org/officeDocument/2006/relationships" xmlns:p="http://schemas.openxmlformats.org/presentationml/2006/main">
   <p:cSld>
     <p:spTree>
@@ -8016,7 +8180,7 @@
 </p:sld>
 </file>
 
-<file path=ppt/slides/slide27.xml><?xml version="1.0" encoding="utf-8"?>
+<file path=ppt/slides/slide28.xml><?xml version="1.0" encoding="utf-8"?>
 <p:sld xmlns:a="http://schemas.openxmlformats.org/drawingml/2006/main" xmlns:r="http://schemas.openxmlformats.org/officeDocument/2006/relationships" xmlns:p="http://schemas.openxmlformats.org/presentationml/2006/main">
   <p:cSld>
     <p:spTree>
@@ -8126,98 +8290,6 @@
 </p:sld>
 </file>
 
-<file path=ppt/slides/slide28.xml><?xml version="1.0" encoding="utf-8"?>
-<p:sld xmlns:a="http://schemas.openxmlformats.org/drawingml/2006/main" xmlns:r="http://schemas.openxmlformats.org/officeDocument/2006/relationships" xmlns:p="http://schemas.openxmlformats.org/presentationml/2006/main">
-  <p:cSld>
-    <p:spTree>
-      <p:nvGrpSpPr>
-        <p:cNvPr id="1" name=""/>
-        <p:cNvGrpSpPr/>
-        <p:nvPr/>
-      </p:nvGrpSpPr>
-      <p:grpSpPr>
-        <a:xfrm>
-          <a:off x="0" y="0"/>
-          <a:ext cx="0" cy="0"/>
-          <a:chOff x="0" y="0"/>
-          <a:chExt cx="0" cy="0"/>
-        </a:xfrm>
-      </p:grpSpPr>
-      <p:sp>
-        <p:nvSpPr>
-          <p:cNvPr id="2" name="Title 1">
-            <a:extLst>
-              <a:ext uri="{FF2B5EF4-FFF2-40B4-BE49-F238E27FC236}">
-                <a16:creationId xmlns:a16="http://schemas.microsoft.com/office/drawing/2014/main" id="{3EBB1DA0-C69F-475E-BAF6-4DFA5203C1A0}"/>
-              </a:ext>
-            </a:extLst>
-          </p:cNvPr>
-          <p:cNvSpPr>
-            <a:spLocks noGrp="1"/>
-          </p:cNvSpPr>
-          <p:nvPr>
-            <p:ph type="title"/>
-          </p:nvPr>
-        </p:nvSpPr>
-        <p:spPr/>
-        <p:txBody>
-          <a:bodyPr/>
-          <a:lstStyle/>
-          <a:p>
-            <a:r>
-              <a:rPr lang="en-US" dirty="0"/>
-              <a:t>Training our first neural network</a:t>
-            </a:r>
-          </a:p>
-        </p:txBody>
-      </p:sp>
-      <p:sp>
-        <p:nvSpPr>
-          <p:cNvPr id="3" name="Content Placeholder 2">
-            <a:extLst>
-              <a:ext uri="{FF2B5EF4-FFF2-40B4-BE49-F238E27FC236}">
-                <a16:creationId xmlns:a16="http://schemas.microsoft.com/office/drawing/2014/main" id="{DC16E6F3-A2D1-4B2A-B907-A9DBD096BC7C}"/>
-              </a:ext>
-            </a:extLst>
-          </p:cNvPr>
-          <p:cNvSpPr>
-            <a:spLocks noGrp="1"/>
-          </p:cNvSpPr>
-          <p:nvPr>
-            <p:ph idx="1"/>
-          </p:nvPr>
-        </p:nvSpPr>
-        <p:spPr/>
-        <p:txBody>
-          <a:bodyPr/>
-          <a:lstStyle/>
-          <a:p>
-            <a:r>
-              <a:rPr lang="en-US" dirty="0">
-                <a:hlinkClick r:id="rId2"/>
-              </a:rPr>
-              <a:t>https://colab.research.google.com/github/sg2/intro/blob/master/1%20-%20introduction/PyTorch_CIFAR_10.ipynb</a:t>
-            </a:r>
-            <a:endParaRPr lang="en-US" dirty="0"/>
-          </a:p>
-          <a:p>
-            <a:endParaRPr lang="en-US" dirty="0"/>
-          </a:p>
-        </p:txBody>
-      </p:sp>
-    </p:spTree>
-    <p:extLst>
-      <p:ext uri="{BB962C8B-B14F-4D97-AF65-F5344CB8AC3E}">
-        <p14:creationId xmlns:p14="http://schemas.microsoft.com/office/powerpoint/2010/main" val="1604183747"/>
-      </p:ext>
-    </p:extLst>
-  </p:cSld>
-  <p:clrMapOvr>
-    <a:masterClrMapping/>
-  </p:clrMapOvr>
-</p:sld>
-</file>
-
 <file path=ppt/slides/slide29.xml><?xml version="1.0" encoding="utf-8"?>
 <p:sld xmlns:a="http://schemas.openxmlformats.org/drawingml/2006/main" xmlns:r="http://schemas.openxmlformats.org/officeDocument/2006/relationships" xmlns:p="http://schemas.openxmlformats.org/presentationml/2006/main">
   <p:cSld>
@@ -8237,10 +8309,10 @@
       </p:grpSpPr>
       <p:sp>
         <p:nvSpPr>
-          <p:cNvPr id="4" name="Title 3">
-            <a:extLst>
-              <a:ext uri="{FF2B5EF4-FFF2-40B4-BE49-F238E27FC236}">
-                <a16:creationId xmlns:a16="http://schemas.microsoft.com/office/drawing/2014/main" id="{A6A81441-2C14-4E8D-B98D-FA85CCF86115}"/>
+          <p:cNvPr id="2" name="Title 1">
+            <a:extLst>
+              <a:ext uri="{FF2B5EF4-FFF2-40B4-BE49-F238E27FC236}">
+                <a16:creationId xmlns:a16="http://schemas.microsoft.com/office/drawing/2014/main" id="{3EBB1DA0-C69F-475E-BAF6-4DFA5203C1A0}"/>
               </a:ext>
             </a:extLst>
           </p:cNvPr>
@@ -8258,25 +8330,25 @@
           <a:p>
             <a:r>
               <a:rPr lang="en-US" dirty="0"/>
-              <a:t>Conclusion</a:t>
-            </a:r>
-          </a:p>
-        </p:txBody>
-      </p:sp>
-      <p:sp>
-        <p:nvSpPr>
-          <p:cNvPr id="5" name="Text Placeholder 4">
-            <a:extLst>
-              <a:ext uri="{FF2B5EF4-FFF2-40B4-BE49-F238E27FC236}">
-                <a16:creationId xmlns:a16="http://schemas.microsoft.com/office/drawing/2014/main" id="{026D167F-15BE-4AE2-AC82-3D477CF3E2C4}"/>
-              </a:ext>
-            </a:extLst>
-          </p:cNvPr>
-          <p:cNvSpPr>
-            <a:spLocks noGrp="1"/>
-          </p:cNvSpPr>
-          <p:nvPr>
-            <p:ph type="body" idx="1"/>
+              <a:t>Training our first neural network</a:t>
+            </a:r>
+          </a:p>
+        </p:txBody>
+      </p:sp>
+      <p:sp>
+        <p:nvSpPr>
+          <p:cNvPr id="3" name="Content Placeholder 2">
+            <a:extLst>
+              <a:ext uri="{FF2B5EF4-FFF2-40B4-BE49-F238E27FC236}">
+                <a16:creationId xmlns:a16="http://schemas.microsoft.com/office/drawing/2014/main" id="{DC16E6F3-A2D1-4B2A-B907-A9DBD096BC7C}"/>
+              </a:ext>
+            </a:extLst>
+          </p:cNvPr>
+          <p:cNvSpPr>
+            <a:spLocks noGrp="1"/>
+          </p:cNvSpPr>
+          <p:nvPr>
+            <p:ph idx="1"/>
           </p:nvPr>
         </p:nvSpPr>
         <p:spPr/>
@@ -8284,14 +8356,23 @@
           <a:bodyPr/>
           <a:lstStyle/>
           <a:p>
-            <a:endParaRPr lang="en-US"/>
+            <a:r>
+              <a:rPr lang="en-US" dirty="0">
+                <a:hlinkClick r:id="rId2"/>
+              </a:rPr>
+              <a:t>https://colab.research.google.com/github/sg2/intro/blob/master/1%20-%20introduction/PyTorch_CIFAR_10.ipynb</a:t>
+            </a:r>
+            <a:endParaRPr lang="en-US" dirty="0"/>
+          </a:p>
+          <a:p>
+            <a:endParaRPr lang="en-US" dirty="0"/>
           </a:p>
         </p:txBody>
       </p:sp>
     </p:spTree>
     <p:extLst>
       <p:ext uri="{BB962C8B-B14F-4D97-AF65-F5344CB8AC3E}">
-        <p14:creationId xmlns:p14="http://schemas.microsoft.com/office/powerpoint/2010/main" val="1420574546"/>
+        <p14:creationId xmlns:p14="http://schemas.microsoft.com/office/powerpoint/2010/main" val="1604183747"/>
       </p:ext>
     </p:extLst>
   </p:cSld>
@@ -8675,6 +8756,89 @@
       </p:grpSpPr>
       <p:sp>
         <p:nvSpPr>
+          <p:cNvPr id="4" name="Title 3">
+            <a:extLst>
+              <a:ext uri="{FF2B5EF4-FFF2-40B4-BE49-F238E27FC236}">
+                <a16:creationId xmlns:a16="http://schemas.microsoft.com/office/drawing/2014/main" id="{A6A81441-2C14-4E8D-B98D-FA85CCF86115}"/>
+              </a:ext>
+            </a:extLst>
+          </p:cNvPr>
+          <p:cNvSpPr>
+            <a:spLocks noGrp="1"/>
+          </p:cNvSpPr>
+          <p:nvPr>
+            <p:ph type="title"/>
+          </p:nvPr>
+        </p:nvSpPr>
+        <p:spPr/>
+        <p:txBody>
+          <a:bodyPr/>
+          <a:lstStyle/>
+          <a:p>
+            <a:r>
+              <a:rPr lang="en-US" dirty="0"/>
+              <a:t>Conclusion</a:t>
+            </a:r>
+          </a:p>
+        </p:txBody>
+      </p:sp>
+      <p:sp>
+        <p:nvSpPr>
+          <p:cNvPr id="5" name="Text Placeholder 4">
+            <a:extLst>
+              <a:ext uri="{FF2B5EF4-FFF2-40B4-BE49-F238E27FC236}">
+                <a16:creationId xmlns:a16="http://schemas.microsoft.com/office/drawing/2014/main" id="{026D167F-15BE-4AE2-AC82-3D477CF3E2C4}"/>
+              </a:ext>
+            </a:extLst>
+          </p:cNvPr>
+          <p:cNvSpPr>
+            <a:spLocks noGrp="1"/>
+          </p:cNvSpPr>
+          <p:nvPr>
+            <p:ph type="body" idx="1"/>
+          </p:nvPr>
+        </p:nvSpPr>
+        <p:spPr/>
+        <p:txBody>
+          <a:bodyPr/>
+          <a:lstStyle/>
+          <a:p>
+            <a:endParaRPr lang="en-US"/>
+          </a:p>
+        </p:txBody>
+      </p:sp>
+    </p:spTree>
+    <p:extLst>
+      <p:ext uri="{BB962C8B-B14F-4D97-AF65-F5344CB8AC3E}">
+        <p14:creationId xmlns:p14="http://schemas.microsoft.com/office/powerpoint/2010/main" val="1420574546"/>
+      </p:ext>
+    </p:extLst>
+  </p:cSld>
+  <p:clrMapOvr>
+    <a:masterClrMapping/>
+  </p:clrMapOvr>
+</p:sld>
+</file>
+
+<file path=ppt/slides/slide31.xml><?xml version="1.0" encoding="utf-8"?>
+<p:sld xmlns:a="http://schemas.openxmlformats.org/drawingml/2006/main" xmlns:r="http://schemas.openxmlformats.org/officeDocument/2006/relationships" xmlns:p="http://schemas.openxmlformats.org/presentationml/2006/main">
+  <p:cSld>
+    <p:spTree>
+      <p:nvGrpSpPr>
+        <p:cNvPr id="1" name=""/>
+        <p:cNvGrpSpPr/>
+        <p:nvPr/>
+      </p:nvGrpSpPr>
+      <p:grpSpPr>
+        <a:xfrm>
+          <a:off x="0" y="0"/>
+          <a:ext cx="0" cy="0"/>
+          <a:chOff x="0" y="0"/>
+          <a:chExt cx="0" cy="0"/>
+        </a:xfrm>
+      </p:grpSpPr>
+      <p:sp>
+        <p:nvSpPr>
           <p:cNvPr id="6" name="Title 5">
             <a:extLst>
               <a:ext uri="{FF2B5EF4-FFF2-40B4-BE49-F238E27FC236}">
@@ -8766,7 +8930,7 @@
 </p:sld>
 </file>
 
-<file path=ppt/slides/slide31.xml><?xml version="1.0" encoding="utf-8"?>
+<file path=ppt/slides/slide32.xml><?xml version="1.0" encoding="utf-8"?>
 <p:sld xmlns:a="http://schemas.openxmlformats.org/drawingml/2006/main" xmlns:r="http://schemas.openxmlformats.org/officeDocument/2006/relationships" xmlns:p="http://schemas.openxmlformats.org/presentationml/2006/main">
   <p:cSld>
     <p:spTree>
@@ -9184,7 +9348,7 @@
 </p:sld>
 </file>
 
-<file path=ppt/slides/slide32.xml><?xml version="1.0" encoding="utf-8"?>
+<file path=ppt/slides/slide33.xml><?xml version="1.0" encoding="utf-8"?>
 <p:sld xmlns:a="http://schemas.openxmlformats.org/drawingml/2006/main" xmlns:r="http://schemas.openxmlformats.org/officeDocument/2006/relationships" xmlns:p="http://schemas.openxmlformats.org/presentationml/2006/main">
   <p:cSld>
     <p:spTree>
